--- a/Others/研究経過1.pptx
+++ b/Others/研究経過1.pptx
@@ -5,7 +5,7 @@
     <p:sldMasterId id="2147483648" r:id="rId1"/>
   </p:sldMasterIdLst>
   <p:handoutMasterIdLst>
-    <p:handoutMasterId r:id="rId26"/>
+    <p:handoutMasterId r:id="rId28"/>
   </p:handoutMasterIdLst>
   <p:sldIdLst>
     <p:sldId id="256" r:id="rId2"/>
@@ -31,7 +31,9 @@
     <p:sldId id="276" r:id="rId22"/>
     <p:sldId id="277" r:id="rId23"/>
     <p:sldId id="278" r:id="rId24"/>
-    <p:sldId id="279" r:id="rId25"/>
+    <p:sldId id="280" r:id="rId25"/>
+    <p:sldId id="279" r:id="rId26"/>
+    <p:sldId id="281" r:id="rId27"/>
   </p:sldIdLst>
   <p:sldSz cx="12192000" cy="6858000"/>
   <p:notesSz cx="6858000" cy="9144000"/>
@@ -235,7 +237,7 @@
           <a:p>
             <a:fld id="{93C75613-606A-447C-B3C5-9A6231D1070D}" type="datetimeFigureOut">
               <a:rPr kumimoji="1" lang="ja-JP" altLang="en-US" smtClean="0"/>
-              <a:t>2020/9/24</a:t>
+              <a:t>2020/9/27</a:t>
             </a:fld>
             <a:endParaRPr kumimoji="1" lang="ja-JP" altLang="en-US"/>
           </a:p>
@@ -477,7 +479,7 @@
           <a:p>
             <a:fld id="{8C781539-3323-457F-9595-422217E16D75}" type="datetimeFigureOut">
               <a:rPr kumimoji="1" lang="ja-JP" altLang="en-US" smtClean="0"/>
-              <a:t>2020/9/24</a:t>
+              <a:t>2020/9/27</a:t>
             </a:fld>
             <a:endParaRPr kumimoji="1" lang="ja-JP" altLang="en-US"/>
           </a:p>
@@ -707,7 +709,7 @@
           <a:p>
             <a:fld id="{8C781539-3323-457F-9595-422217E16D75}" type="datetimeFigureOut">
               <a:rPr kumimoji="1" lang="ja-JP" altLang="en-US" smtClean="0"/>
-              <a:t>2020/9/24</a:t>
+              <a:t>2020/9/27</a:t>
             </a:fld>
             <a:endParaRPr kumimoji="1" lang="ja-JP" altLang="en-US"/>
           </a:p>
@@ -947,7 +949,7 @@
           <a:p>
             <a:fld id="{8C781539-3323-457F-9595-422217E16D75}" type="datetimeFigureOut">
               <a:rPr kumimoji="1" lang="ja-JP" altLang="en-US" smtClean="0"/>
-              <a:t>2020/9/24</a:t>
+              <a:t>2020/9/27</a:t>
             </a:fld>
             <a:endParaRPr kumimoji="1" lang="ja-JP" altLang="en-US"/>
           </a:p>
@@ -1177,7 +1179,7 @@
           <a:p>
             <a:fld id="{8C781539-3323-457F-9595-422217E16D75}" type="datetimeFigureOut">
               <a:rPr kumimoji="1" lang="ja-JP" altLang="en-US" smtClean="0"/>
-              <a:t>2020/9/24</a:t>
+              <a:t>2020/9/27</a:t>
             </a:fld>
             <a:endParaRPr kumimoji="1" lang="ja-JP" altLang="en-US"/>
           </a:p>
@@ -1452,7 +1454,7 @@
           <a:p>
             <a:fld id="{8C781539-3323-457F-9595-422217E16D75}" type="datetimeFigureOut">
               <a:rPr kumimoji="1" lang="ja-JP" altLang="en-US" smtClean="0"/>
-              <a:t>2020/9/24</a:t>
+              <a:t>2020/9/27</a:t>
             </a:fld>
             <a:endParaRPr kumimoji="1" lang="ja-JP" altLang="en-US"/>
           </a:p>
@@ -1781,7 +1783,7 @@
           <a:p>
             <a:fld id="{8C781539-3323-457F-9595-422217E16D75}" type="datetimeFigureOut">
               <a:rPr kumimoji="1" lang="ja-JP" altLang="en-US" smtClean="0"/>
-              <a:t>2020/9/24</a:t>
+              <a:t>2020/9/27</a:t>
             </a:fld>
             <a:endParaRPr kumimoji="1" lang="ja-JP" altLang="en-US"/>
           </a:p>
@@ -2257,7 +2259,7 @@
           <a:p>
             <a:fld id="{8C781539-3323-457F-9595-422217E16D75}" type="datetimeFigureOut">
               <a:rPr kumimoji="1" lang="ja-JP" altLang="en-US" smtClean="0"/>
-              <a:t>2020/9/24</a:t>
+              <a:t>2020/9/27</a:t>
             </a:fld>
             <a:endParaRPr kumimoji="1" lang="ja-JP" altLang="en-US"/>
           </a:p>
@@ -2398,7 +2400,7 @@
           <a:p>
             <a:fld id="{8C781539-3323-457F-9595-422217E16D75}" type="datetimeFigureOut">
               <a:rPr kumimoji="1" lang="ja-JP" altLang="en-US" smtClean="0"/>
-              <a:t>2020/9/24</a:t>
+              <a:t>2020/9/27</a:t>
             </a:fld>
             <a:endParaRPr kumimoji="1" lang="ja-JP" altLang="en-US"/>
           </a:p>
@@ -2511,7 +2513,7 @@
           <a:p>
             <a:fld id="{8C781539-3323-457F-9595-422217E16D75}" type="datetimeFigureOut">
               <a:rPr kumimoji="1" lang="ja-JP" altLang="en-US" smtClean="0"/>
-              <a:t>2020/9/24</a:t>
+              <a:t>2020/9/27</a:t>
             </a:fld>
             <a:endParaRPr kumimoji="1" lang="ja-JP" altLang="en-US"/>
           </a:p>
@@ -2854,7 +2856,7 @@
           <a:p>
             <a:fld id="{8C781539-3323-457F-9595-422217E16D75}" type="datetimeFigureOut">
               <a:rPr kumimoji="1" lang="ja-JP" altLang="en-US" smtClean="0"/>
-              <a:t>2020/9/24</a:t>
+              <a:t>2020/9/27</a:t>
             </a:fld>
             <a:endParaRPr kumimoji="1" lang="ja-JP" altLang="en-US"/>
           </a:p>
@@ -3142,7 +3144,7 @@
           <a:p>
             <a:fld id="{8C781539-3323-457F-9595-422217E16D75}" type="datetimeFigureOut">
               <a:rPr kumimoji="1" lang="ja-JP" altLang="en-US" smtClean="0"/>
-              <a:t>2020/9/24</a:t>
+              <a:t>2020/9/27</a:t>
             </a:fld>
             <a:endParaRPr kumimoji="1" lang="ja-JP" altLang="en-US"/>
           </a:p>
@@ -3415,7 +3417,7 @@
           <a:p>
             <a:fld id="{8C781539-3323-457F-9595-422217E16D75}" type="datetimeFigureOut">
               <a:rPr kumimoji="1" lang="ja-JP" altLang="en-US" smtClean="0"/>
-              <a:t>2020/9/24</a:t>
+              <a:t>2020/9/27</a:t>
             </a:fld>
             <a:endParaRPr kumimoji="1" lang="ja-JP" altLang="en-US"/>
           </a:p>
@@ -7783,10 +7785,10 @@
       </p:sp>
       <p:sp>
         <p:nvSpPr>
-          <p:cNvPr id="5" name="テキスト ボックス 4">
-            <a:extLst>
-              <a:ext uri="{FF2B5EF4-FFF2-40B4-BE49-F238E27FC236}">
-                <a16:creationId xmlns:a16="http://schemas.microsoft.com/office/drawing/2014/main" id="{F35B8237-CF01-4966-B965-2DD40CC4242C}"/>
+          <p:cNvPr id="6" name="テキスト ボックス 5">
+            <a:extLst>
+              <a:ext uri="{FF2B5EF4-FFF2-40B4-BE49-F238E27FC236}">
+                <a16:creationId xmlns:a16="http://schemas.microsoft.com/office/drawing/2014/main" id="{0DEEB719-9FF6-488F-ADA9-B3205C2E6504}"/>
               </a:ext>
             </a:extLst>
           </p:cNvPr>
@@ -7795,8 +7797,8 @@
         </p:nvSpPr>
         <p:spPr>
           <a:xfrm>
-            <a:off x="6096000" y="1884947"/>
-            <a:ext cx="4596064" cy="2308324"/>
+            <a:off x="5489011" y="1055412"/>
+            <a:ext cx="6489032" cy="3416320"/>
           </a:xfrm>
           <a:prstGeom prst="rect">
             <a:avLst/>
@@ -7810,56 +7812,160 @@
           <a:lstStyle/>
           <a:p>
             <a:r>
+              <a:rPr kumimoji="1" lang="ja-JP" altLang="en-US" dirty="0"/>
+              <a:t>用語の整理</a:t>
+            </a:r>
+            <a:endParaRPr kumimoji="1" lang="en-US" altLang="ja-JP" dirty="0"/>
+          </a:p>
+          <a:p>
+            <a:r>
+              <a:rPr kumimoji="1" lang="ja-JP" altLang="en-US" dirty="0"/>
+              <a:t>・実世界を映しているカメラ。実世界にあるマテリアルなカメラ→</a:t>
+            </a:r>
+            <a:r>
               <a:rPr kumimoji="1" lang="en-US" altLang="ja-JP" dirty="0"/>
-              <a:t>AR</a:t>
+              <a:t>web</a:t>
             </a:r>
             <a:r>
               <a:rPr kumimoji="1" lang="ja-JP" altLang="en-US" dirty="0"/>
-              <a:t>カメラを正面においてメインカメラはその向かいに置く形になる</a:t>
+              <a:t>カメラ</a:t>
             </a:r>
             <a:endParaRPr kumimoji="1" lang="en-US" altLang="ja-JP" dirty="0"/>
           </a:p>
           <a:p>
-            <a:endParaRPr kumimoji="1" lang="en-US" altLang="ja-JP" dirty="0"/>
-          </a:p>
-          <a:p>
+            <a:r>
+              <a:rPr kumimoji="1" lang="ja-JP" altLang="en-US" dirty="0"/>
+              <a:t>・</a:t>
+            </a:r>
             <a:r>
               <a:rPr kumimoji="1" lang="en-US" altLang="ja-JP" dirty="0"/>
-              <a:t>AR</a:t>
+              <a:t>Web</a:t>
             </a:r>
             <a:r>
               <a:rPr kumimoji="1" lang="ja-JP" altLang="en-US" dirty="0"/>
-              <a:t>カメラがホロレンズのカメラでメインカメラの映像がホロレンズに出力される</a:t>
-            </a:r>
-            <a:endParaRPr kumimoji="1" lang="en-US" altLang="ja-JP" dirty="0"/>
-          </a:p>
-          <a:p>
-            <a:endParaRPr lang="en-US" altLang="ja-JP" dirty="0"/>
-          </a:p>
-          <a:p>
-            <a:r>
-              <a:rPr kumimoji="1" lang="en-US" altLang="ja-JP" dirty="0"/>
-              <a:t>AR</a:t>
-            </a:r>
-            <a:r>
-              <a:rPr kumimoji="1" lang="ja-JP" altLang="en-US" dirty="0"/>
-              <a:t>カメラの映像は現実のカメラで撮った映像だが</a:t>
-            </a:r>
-            <a:r>
-              <a:rPr kumimoji="1" lang="en-US" altLang="ja-JP" dirty="0"/>
-              <a:t>text</a:t>
-            </a:r>
-            <a:r>
-              <a:rPr kumimoji="1" lang="ja-JP" altLang="en-US" dirty="0"/>
-              <a:t>は</a:t>
+              <a:t>カメラが映している映像を</a:t>
             </a:r>
             <a:r>
               <a:rPr kumimoji="1" lang="en-US" altLang="ja-JP" dirty="0"/>
               <a:t>Unity</a:t>
             </a:r>
             <a:r>
+              <a:rPr lang="ja-JP" altLang="en-US" dirty="0"/>
+              <a:t>上にオブジェクトとして表示し、映っているものに応じて</a:t>
+            </a:r>
+            <a:r>
+              <a:rPr lang="en-US" altLang="ja-JP" dirty="0"/>
+              <a:t>(AR</a:t>
+            </a:r>
+            <a:r>
+              <a:rPr lang="ja-JP" altLang="en-US" dirty="0"/>
+              <a:t>マーカーなど</a:t>
+            </a:r>
+            <a:r>
+              <a:rPr lang="en-US" altLang="ja-JP" dirty="0"/>
+              <a:t>)</a:t>
+            </a:r>
+            <a:r>
+              <a:rPr lang="ja-JP" altLang="en-US" dirty="0"/>
+              <a:t>新たに</a:t>
+            </a:r>
+            <a:r>
+              <a:rPr lang="en-US" altLang="ja-JP" dirty="0"/>
+              <a:t>Unity</a:t>
+            </a:r>
+            <a:r>
+              <a:rPr lang="ja-JP" altLang="en-US" dirty="0"/>
+              <a:t>上に任意のオブジェクトを配置するためのモノ。</a:t>
+            </a:r>
+            <a:r>
+              <a:rPr lang="en-US" altLang="ja-JP" dirty="0"/>
+              <a:t>Unity</a:t>
+            </a:r>
+            <a:r>
+              <a:rPr lang="ja-JP" altLang="en-US" dirty="0"/>
+              <a:t>上にあるヴァーチャルなカメラ→</a:t>
+            </a:r>
+            <a:r>
+              <a:rPr lang="en-US" altLang="ja-JP" dirty="0"/>
+              <a:t>AR</a:t>
+            </a:r>
+            <a:r>
+              <a:rPr lang="ja-JP" altLang="en-US" dirty="0"/>
+              <a:t>カメラ</a:t>
+            </a:r>
+            <a:endParaRPr lang="en-US" altLang="ja-JP" dirty="0"/>
+          </a:p>
+          <a:p>
+            <a:r>
               <a:rPr kumimoji="1" lang="ja-JP" altLang="en-US" dirty="0"/>
-              <a:t>のオブジェクト</a:t>
+              <a:t>・実際にホロレンズに表示される景色を撮っているカメラ。</a:t>
+            </a:r>
+            <a:r>
+              <a:rPr kumimoji="1" lang="en-US" altLang="ja-JP" dirty="0"/>
+              <a:t>Unity</a:t>
+            </a:r>
+            <a:r>
+              <a:rPr kumimoji="1" lang="ja-JP" altLang="en-US" dirty="0"/>
+              <a:t>上にあるオブジェクトをそのまま撮る。</a:t>
+            </a:r>
+            <a:r>
+              <a:rPr kumimoji="1" lang="en-US" altLang="ja-JP" dirty="0"/>
+              <a:t>Unity</a:t>
+            </a:r>
+            <a:r>
+              <a:rPr kumimoji="1" lang="ja-JP" altLang="en-US" dirty="0"/>
+              <a:t>上のヴァーチャルなカメラ→メインカメラ</a:t>
+            </a:r>
+            <a:endParaRPr kumimoji="1" lang="en-US" altLang="ja-JP" dirty="0"/>
+          </a:p>
+          <a:p>
+            <a:r>
+              <a:rPr lang="ja-JP" altLang="en-US" dirty="0"/>
+              <a:t>・</a:t>
+            </a:r>
+            <a:r>
+              <a:rPr lang="en-US" altLang="ja-JP" dirty="0"/>
+              <a:t>AR</a:t>
+            </a:r>
+            <a:r>
+              <a:rPr lang="ja-JP" altLang="en-US" dirty="0"/>
+              <a:t>カメラによって</a:t>
+            </a:r>
+            <a:r>
+              <a:rPr lang="en-US" altLang="ja-JP" dirty="0"/>
+              <a:t>Unity</a:t>
+            </a:r>
+            <a:r>
+              <a:rPr lang="ja-JP" altLang="en-US" dirty="0"/>
+              <a:t>上に配置されるオブジェクト→</a:t>
+            </a:r>
+            <a:r>
+              <a:rPr lang="en-US" altLang="ja-JP" dirty="0"/>
+              <a:t>AR</a:t>
+            </a:r>
+            <a:r>
+              <a:rPr lang="ja-JP" altLang="en-US" dirty="0"/>
+              <a:t>オブジェクト</a:t>
+            </a:r>
+            <a:r>
+              <a:rPr lang="en-US" altLang="ja-JP" dirty="0"/>
+              <a:t>(</a:t>
+            </a:r>
+            <a:r>
+              <a:rPr lang="ja-JP" altLang="en-US" dirty="0"/>
+              <a:t>今回は主に本の</a:t>
+            </a:r>
+            <a:r>
+              <a:rPr lang="en-US" altLang="ja-JP" dirty="0"/>
+              <a:t>text</a:t>
+            </a:r>
+            <a:r>
+              <a:rPr lang="ja-JP" altLang="en-US" dirty="0"/>
+              <a:t>。今後増やしていきたい</a:t>
+            </a:r>
+            <a:r>
+              <a:rPr lang="en-US" altLang="ja-JP" dirty="0"/>
+              <a:t>)</a:t>
             </a:r>
           </a:p>
         </p:txBody>
@@ -7979,8 +8085,8 @@
         </p:nvSpPr>
         <p:spPr>
           <a:xfrm>
-            <a:off x="6168189" y="2077453"/>
-            <a:ext cx="4620127" cy="646331"/>
+            <a:off x="5518298" y="1322542"/>
+            <a:ext cx="6453962" cy="2585323"/>
           </a:xfrm>
           <a:prstGeom prst="rect">
             <a:avLst/>
@@ -7995,32 +8101,84 @@
           <a:p>
             <a:r>
               <a:rPr kumimoji="1" lang="ja-JP" altLang="en-US" dirty="0"/>
-              <a:t>ベンチと</a:t>
-            </a:r>
-            <a:r>
-              <a:rPr kumimoji="1" lang="en-US" altLang="ja-JP" dirty="0"/>
+              <a:t>実世界の物は自分の体、白い本、座っているもの。</a:t>
+            </a:r>
+            <a:endParaRPr kumimoji="1" lang="en-US" altLang="ja-JP" dirty="0"/>
+          </a:p>
+          <a:p>
+            <a:r>
+              <a:rPr lang="en-US" altLang="ja-JP" dirty="0"/>
+              <a:t>AR</a:t>
+            </a:r>
+            <a:r>
+              <a:rPr lang="ja-JP" altLang="en-US" dirty="0"/>
+              <a:t>オブジェクトは本の文章と、ベンチのテクスチャ</a:t>
+            </a:r>
+            <a:endParaRPr lang="en-US" altLang="ja-JP" dirty="0"/>
+          </a:p>
+          <a:p>
+            <a:r>
+              <a:rPr lang="ja-JP" altLang="en-US" dirty="0"/>
+              <a:t>・本の文章→本の四隅などに</a:t>
+            </a:r>
+            <a:r>
+              <a:rPr lang="en-US" altLang="ja-JP" dirty="0"/>
+              <a:t>AR</a:t>
+            </a:r>
+            <a:r>
+              <a:rPr lang="ja-JP" altLang="en-US" dirty="0"/>
+              <a:t>マーカーを張ることで本を検出して、本の上に</a:t>
+            </a:r>
+            <a:r>
+              <a:rPr lang="en-US" altLang="ja-JP" dirty="0"/>
               <a:t>text</a:t>
             </a:r>
             <a:r>
-              <a:rPr kumimoji="1" lang="ja-JP" altLang="en-US" dirty="0"/>
-              <a:t>は仮想のモノ</a:t>
-            </a:r>
-            <a:endParaRPr kumimoji="1" lang="en-US" altLang="ja-JP" dirty="0"/>
-          </a:p>
-          <a:p>
+              <a:rPr lang="ja-JP" altLang="en-US" dirty="0"/>
+              <a:t>データを張り付ける</a:t>
+            </a:r>
             <a:r>
               <a:rPr lang="en-US" altLang="ja-JP" dirty="0"/>
               <a:t>(</a:t>
             </a:r>
             <a:r>
               <a:rPr lang="ja-JP" altLang="en-US" dirty="0"/>
-              <a:t>ベンチは椅子にかぶせたい</a:t>
+              <a:t>重畳表示</a:t>
             </a:r>
             <a:r>
               <a:rPr lang="en-US" altLang="ja-JP" dirty="0"/>
               <a:t>)</a:t>
             </a:r>
-            <a:endParaRPr kumimoji="1" lang="en-US" altLang="ja-JP" dirty="0"/>
+          </a:p>
+          <a:p>
+            <a:r>
+              <a:rPr lang="ja-JP" altLang="en-US" dirty="0"/>
+              <a:t>・実際に座っているのは普通の椅子だが見た目をベンチにする</a:t>
+            </a:r>
+            <a:r>
+              <a:rPr lang="en-US" altLang="ja-JP" dirty="0"/>
+              <a:t>(</a:t>
+            </a:r>
+            <a:r>
+              <a:rPr lang="ja-JP" altLang="en-US" dirty="0"/>
+              <a:t>重畳表示</a:t>
+            </a:r>
+            <a:r>
+              <a:rPr lang="en-US" altLang="ja-JP" dirty="0"/>
+              <a:t>)</a:t>
+            </a:r>
+            <a:r>
+              <a:rPr lang="ja-JP" altLang="en-US" dirty="0"/>
+              <a:t>。</a:t>
+            </a:r>
+            <a:endParaRPr lang="en-US" altLang="ja-JP" dirty="0"/>
+          </a:p>
+          <a:p>
+            <a:r>
+              <a:rPr lang="ja-JP" altLang="en-US" dirty="0"/>
+              <a:t>・自分の身体は他のオブジェクトが重ならないようにする。本の文章の部分は最悪手が見えなくなっても仕方無い気もするが、それ以外ではしっかりと見えるようにする。</a:t>
+            </a:r>
+            <a:endParaRPr lang="en-US" altLang="ja-JP" dirty="0"/>
           </a:p>
         </p:txBody>
       </p:sp>
@@ -8104,7 +8262,7 @@
         </p:nvSpPr>
         <p:spPr>
           <a:xfrm>
-            <a:off x="6296526" y="826168"/>
+            <a:off x="5919537" y="411498"/>
             <a:ext cx="4371474" cy="369332"/>
           </a:xfrm>
           <a:prstGeom prst="rect">
@@ -8139,8 +8297,8 @@
         </p:nvSpPr>
         <p:spPr>
           <a:xfrm>
-            <a:off x="5919537" y="2374232"/>
-            <a:ext cx="5310652" cy="369332"/>
+            <a:off x="5919537" y="1725646"/>
+            <a:ext cx="5310652" cy="2585323"/>
           </a:xfrm>
           <a:prstGeom prst="rect">
             <a:avLst/>
@@ -8154,12 +8312,90 @@
           <a:lstStyle/>
           <a:p>
             <a:r>
+              <a:rPr kumimoji="1" lang="ja-JP" altLang="en-US" dirty="0"/>
+              <a:t>・</a:t>
+            </a:r>
+            <a:r>
               <a:rPr kumimoji="1" lang="en-US" altLang="ja-JP" dirty="0"/>
               <a:t>Unity</a:t>
             </a:r>
             <a:r>
               <a:rPr lang="ja-JP" altLang="en-US" dirty="0"/>
-              <a:t>上のステージに置いたオブジェクトが見える</a:t>
+              <a:t>上のステージに置いたオブジェクトが見える。</a:t>
+            </a:r>
+            <a:r>
+              <a:rPr kumimoji="1" lang="en-US" altLang="ja-JP" dirty="0"/>
+              <a:t>Unity</a:t>
+            </a:r>
+            <a:r>
+              <a:rPr kumimoji="1" lang="ja-JP" altLang="en-US" dirty="0"/>
+              <a:t>上の</a:t>
+            </a:r>
+            <a:r>
+              <a:rPr kumimoji="1" lang="en-US" altLang="ja-JP" dirty="0"/>
+              <a:t>VR</a:t>
+            </a:r>
+            <a:r>
+              <a:rPr kumimoji="1" lang="ja-JP" altLang="en-US" dirty="0"/>
+              <a:t>空間が見えている。</a:t>
+            </a:r>
+            <a:endParaRPr kumimoji="1" lang="en-US" altLang="ja-JP" dirty="0"/>
+          </a:p>
+          <a:p>
+            <a:r>
+              <a:rPr lang="ja-JP" altLang="en-US" dirty="0"/>
+              <a:t>・</a:t>
+            </a:r>
+            <a:r>
+              <a:rPr kumimoji="1" lang="ja-JP" altLang="en-US" dirty="0"/>
+              <a:t>ホロレンズを付けながら歩くことで</a:t>
+            </a:r>
+            <a:r>
+              <a:rPr kumimoji="1" lang="en-US" altLang="ja-JP" dirty="0"/>
+              <a:t>VR</a:t>
+            </a:r>
+            <a:r>
+              <a:rPr lang="ja-JP" altLang="en-US" dirty="0"/>
+              <a:t>空間を移動することができる。実際に歩く距離と、</a:t>
+            </a:r>
+            <a:r>
+              <a:rPr lang="en-US" altLang="ja-JP" dirty="0"/>
+              <a:t>VR</a:t>
+            </a:r>
+            <a:r>
+              <a:rPr lang="ja-JP" altLang="en-US" dirty="0"/>
+              <a:t>空間上で動く距離が一致するようにする。</a:t>
+            </a:r>
+            <a:endParaRPr lang="en-US" altLang="ja-JP" dirty="0"/>
+          </a:p>
+          <a:p>
+            <a:r>
+              <a:rPr lang="ja-JP" altLang="en-US" dirty="0"/>
+              <a:t>・将来的には、</a:t>
+            </a:r>
+            <a:r>
+              <a:rPr lang="en-US" altLang="ja-JP" dirty="0"/>
+              <a:t>VR</a:t>
+            </a:r>
+            <a:r>
+              <a:rPr lang="ja-JP" altLang="en-US" dirty="0"/>
+              <a:t>空間に配置してあるオブジェクトを</a:t>
+            </a:r>
+            <a:r>
+              <a:rPr lang="en-US" altLang="ja-JP" dirty="0"/>
+              <a:t>AR</a:t>
+            </a:r>
+            <a:r>
+              <a:rPr lang="ja-JP" altLang="en-US" dirty="0"/>
+              <a:t>オブジェクトとして配置して</a:t>
+            </a:r>
+            <a:r>
+              <a:rPr lang="en-US" altLang="ja-JP" dirty="0"/>
+              <a:t>AR</a:t>
+            </a:r>
+            <a:r>
+              <a:rPr lang="ja-JP" altLang="en-US" dirty="0"/>
+              <a:t>重畳オブジェクトとすることで、実際に触ったり動かしたりできるようにもしたい。</a:t>
             </a:r>
             <a:endParaRPr kumimoji="1" lang="ja-JP" altLang="en-US" dirty="0"/>
           </a:p>
@@ -8197,6 +8433,72 @@
       </p:grpSpPr>
       <p:pic>
         <p:nvPicPr>
+          <p:cNvPr id="5" name="図 4" descr="ダイアグラム, 設計図&#10;&#10;自動的に生成された説明">
+            <a:extLst>
+              <a:ext uri="{FF2B5EF4-FFF2-40B4-BE49-F238E27FC236}">
+                <a16:creationId xmlns:a16="http://schemas.microsoft.com/office/drawing/2014/main" id="{5675A43C-549B-4BA5-B282-B5520D5626AD}"/>
+              </a:ext>
+            </a:extLst>
+          </p:cNvPr>
+          <p:cNvPicPr>
+            <a:picLocks noChangeAspect="1"/>
+          </p:cNvPicPr>
+          <p:nvPr/>
+        </p:nvPicPr>
+        <p:blipFill>
+          <a:blip r:embed="rId2">
+            <a:extLst>
+              <a:ext uri="{28A0092B-C50C-407E-A947-70E740481C1C}">
+                <a14:useLocalDpi xmlns:a14="http://schemas.microsoft.com/office/drawing/2010/main" val="0"/>
+              </a:ext>
+            </a:extLst>
+          </a:blip>
+          <a:stretch>
+            <a:fillRect/>
+          </a:stretch>
+        </p:blipFill>
+        <p:spPr>
+          <a:xfrm>
+            <a:off x="3440674" y="0"/>
+            <a:ext cx="5310652" cy="6858000"/>
+          </a:xfrm>
+          <a:prstGeom prst="rect">
+            <a:avLst/>
+          </a:prstGeom>
+        </p:spPr>
+      </p:pic>
+    </p:spTree>
+    <p:extLst>
+      <p:ext uri="{BB962C8B-B14F-4D97-AF65-F5344CB8AC3E}">
+        <p14:creationId xmlns:p14="http://schemas.microsoft.com/office/powerpoint/2010/main" val="4020196058"/>
+      </p:ext>
+    </p:extLst>
+  </p:cSld>
+  <p:clrMapOvr>
+    <a:masterClrMapping/>
+  </p:clrMapOvr>
+</p:sld>
+</file>
+
+<file path=ppt/slides/slide25.xml><?xml version="1.0" encoding="utf-8"?>
+<p:sld xmlns:a="http://schemas.openxmlformats.org/drawingml/2006/main" xmlns:r="http://schemas.openxmlformats.org/officeDocument/2006/relationships" xmlns:p="http://schemas.openxmlformats.org/presentationml/2006/main">
+  <p:cSld>
+    <p:spTree>
+      <p:nvGrpSpPr>
+        <p:cNvPr id="1" name=""/>
+        <p:cNvGrpSpPr/>
+        <p:nvPr/>
+      </p:nvGrpSpPr>
+      <p:grpSpPr>
+        <a:xfrm>
+          <a:off x="0" y="0"/>
+          <a:ext cx="0" cy="0"/>
+          <a:chOff x="0" y="0"/>
+          <a:chExt cx="0" cy="0"/>
+        </a:xfrm>
+      </p:grpSpPr>
+      <p:pic>
+        <p:nvPicPr>
           <p:cNvPr id="5" name="図 4" descr="レゴ, チェスの駒, 挿絵 が含まれている画像&#10;&#10;自動的に生成された説明">
             <a:extLst>
               <a:ext uri="{FF2B5EF4-FFF2-40B4-BE49-F238E27FC236}">
@@ -8365,7 +8667,7 @@
         </p:nvSpPr>
         <p:spPr>
           <a:xfrm>
-            <a:off x="6761747" y="316793"/>
+            <a:off x="5794184" y="132127"/>
             <a:ext cx="2951748" cy="369332"/>
           </a:xfrm>
           <a:prstGeom prst="rect">
@@ -8450,6 +8752,111 @@
     <p:extLst>
       <p:ext uri="{BB962C8B-B14F-4D97-AF65-F5344CB8AC3E}">
         <p14:creationId xmlns:p14="http://schemas.microsoft.com/office/powerpoint/2010/main" val="1655868299"/>
+      </p:ext>
+    </p:extLst>
+  </p:cSld>
+  <p:clrMapOvr>
+    <a:masterClrMapping/>
+  </p:clrMapOvr>
+</p:sld>
+</file>
+
+<file path=ppt/slides/slide26.xml><?xml version="1.0" encoding="utf-8"?>
+<p:sld xmlns:a="http://schemas.openxmlformats.org/drawingml/2006/main" xmlns:r="http://schemas.openxmlformats.org/officeDocument/2006/relationships" xmlns:p="http://schemas.openxmlformats.org/presentationml/2006/main">
+  <p:cSld>
+    <p:spTree>
+      <p:nvGrpSpPr>
+        <p:cNvPr id="1" name=""/>
+        <p:cNvGrpSpPr/>
+        <p:nvPr/>
+      </p:nvGrpSpPr>
+      <p:grpSpPr>
+        <a:xfrm>
+          <a:off x="0" y="0"/>
+          <a:ext cx="0" cy="0"/>
+          <a:chOff x="0" y="0"/>
+          <a:chExt cx="0" cy="0"/>
+        </a:xfrm>
+      </p:grpSpPr>
+      <p:pic>
+        <p:nvPicPr>
+          <p:cNvPr id="5" name="図 4" descr="ダイアグラム&#10;&#10;自動的に生成された説明">
+            <a:extLst>
+              <a:ext uri="{FF2B5EF4-FFF2-40B4-BE49-F238E27FC236}">
+                <a16:creationId xmlns:a16="http://schemas.microsoft.com/office/drawing/2014/main" id="{7E55FA67-BD05-47FF-8A0D-E0804EF79BD3}"/>
+              </a:ext>
+            </a:extLst>
+          </p:cNvPr>
+          <p:cNvPicPr>
+            <a:picLocks noChangeAspect="1"/>
+          </p:cNvPicPr>
+          <p:nvPr/>
+        </p:nvPicPr>
+        <p:blipFill>
+          <a:blip r:embed="rId2">
+            <a:extLst>
+              <a:ext uri="{28A0092B-C50C-407E-A947-70E740481C1C}">
+                <a14:useLocalDpi xmlns:a14="http://schemas.microsoft.com/office/drawing/2010/main" val="0"/>
+              </a:ext>
+            </a:extLst>
+          </a:blip>
+          <a:stretch>
+            <a:fillRect/>
+          </a:stretch>
+        </p:blipFill>
+        <p:spPr>
+          <a:xfrm>
+            <a:off x="0" y="0"/>
+            <a:ext cx="5310652" cy="6858000"/>
+          </a:xfrm>
+          <a:prstGeom prst="rect">
+            <a:avLst/>
+          </a:prstGeom>
+        </p:spPr>
+      </p:pic>
+      <p:sp>
+        <p:nvSpPr>
+          <p:cNvPr id="2" name="テキスト ボックス 1">
+            <a:extLst>
+              <a:ext uri="{FF2B5EF4-FFF2-40B4-BE49-F238E27FC236}">
+                <a16:creationId xmlns:a16="http://schemas.microsoft.com/office/drawing/2014/main" id="{1469E7F6-6675-4BB9-ACA0-DC3CF6609B38}"/>
+              </a:ext>
+            </a:extLst>
+          </p:cNvPr>
+          <p:cNvSpPr txBox="1"/>
+          <p:nvPr/>
+        </p:nvSpPr>
+        <p:spPr>
+          <a:xfrm>
+            <a:off x="6294474" y="2537567"/>
+            <a:ext cx="4561367" cy="923330"/>
+          </a:xfrm>
+          <a:prstGeom prst="rect">
+            <a:avLst/>
+          </a:prstGeom>
+          <a:noFill/>
+        </p:spPr>
+        <p:txBody>
+          <a:bodyPr wrap="square" rtlCol="0">
+            <a:spAutoFit/>
+          </a:bodyPr>
+          <a:lstStyle/>
+          <a:p>
+            <a:r>
+              <a:rPr kumimoji="1" lang="en-US" altLang="ja-JP" dirty="0"/>
+              <a:t>AR</a:t>
+            </a:r>
+            <a:r>
+              <a:rPr kumimoji="1" lang="ja-JP" altLang="en-US" dirty="0"/>
+              <a:t>カメラの位置をどこにするかは任意に変えられるのでどこがいいのかはやりながら調整する</a:t>
+            </a:r>
+          </a:p>
+        </p:txBody>
+      </p:sp>
+    </p:spTree>
+    <p:extLst>
+      <p:ext uri="{BB962C8B-B14F-4D97-AF65-F5344CB8AC3E}">
+        <p14:creationId xmlns:p14="http://schemas.microsoft.com/office/powerpoint/2010/main" val="3793175408"/>
       </p:ext>
     </p:extLst>
   </p:cSld>

--- a/Others/研究経過1.pptx
+++ b/Others/研究経過1.pptx
@@ -5,7 +5,7 @@
     <p:sldMasterId id="2147483648" r:id="rId1"/>
   </p:sldMasterIdLst>
   <p:handoutMasterIdLst>
-    <p:handoutMasterId r:id="rId28"/>
+    <p:handoutMasterId r:id="rId29"/>
   </p:handoutMasterIdLst>
   <p:sldIdLst>
     <p:sldId id="256" r:id="rId2"/>
@@ -34,6 +34,7 @@
     <p:sldId id="280" r:id="rId25"/>
     <p:sldId id="279" r:id="rId26"/>
     <p:sldId id="281" r:id="rId27"/>
+    <p:sldId id="282" r:id="rId28"/>
   </p:sldIdLst>
   <p:sldSz cx="12192000" cy="6858000"/>
   <p:notesSz cx="6858000" cy="9144000"/>
@@ -237,7 +238,7 @@
           <a:p>
             <a:fld id="{93C75613-606A-447C-B3C5-9A6231D1070D}" type="datetimeFigureOut">
               <a:rPr kumimoji="1" lang="ja-JP" altLang="en-US" smtClean="0"/>
-              <a:t>2020/9/27</a:t>
+              <a:t>2020/9/30</a:t>
             </a:fld>
             <a:endParaRPr kumimoji="1" lang="ja-JP" altLang="en-US"/>
           </a:p>
@@ -479,7 +480,7 @@
           <a:p>
             <a:fld id="{8C781539-3323-457F-9595-422217E16D75}" type="datetimeFigureOut">
               <a:rPr kumimoji="1" lang="ja-JP" altLang="en-US" smtClean="0"/>
-              <a:t>2020/9/27</a:t>
+              <a:t>2020/9/30</a:t>
             </a:fld>
             <a:endParaRPr kumimoji="1" lang="ja-JP" altLang="en-US"/>
           </a:p>
@@ -709,7 +710,7 @@
           <a:p>
             <a:fld id="{8C781539-3323-457F-9595-422217E16D75}" type="datetimeFigureOut">
               <a:rPr kumimoji="1" lang="ja-JP" altLang="en-US" smtClean="0"/>
-              <a:t>2020/9/27</a:t>
+              <a:t>2020/9/30</a:t>
             </a:fld>
             <a:endParaRPr kumimoji="1" lang="ja-JP" altLang="en-US"/>
           </a:p>
@@ -949,7 +950,7 @@
           <a:p>
             <a:fld id="{8C781539-3323-457F-9595-422217E16D75}" type="datetimeFigureOut">
               <a:rPr kumimoji="1" lang="ja-JP" altLang="en-US" smtClean="0"/>
-              <a:t>2020/9/27</a:t>
+              <a:t>2020/9/30</a:t>
             </a:fld>
             <a:endParaRPr kumimoji="1" lang="ja-JP" altLang="en-US"/>
           </a:p>
@@ -1179,7 +1180,7 @@
           <a:p>
             <a:fld id="{8C781539-3323-457F-9595-422217E16D75}" type="datetimeFigureOut">
               <a:rPr kumimoji="1" lang="ja-JP" altLang="en-US" smtClean="0"/>
-              <a:t>2020/9/27</a:t>
+              <a:t>2020/9/30</a:t>
             </a:fld>
             <a:endParaRPr kumimoji="1" lang="ja-JP" altLang="en-US"/>
           </a:p>
@@ -1454,7 +1455,7 @@
           <a:p>
             <a:fld id="{8C781539-3323-457F-9595-422217E16D75}" type="datetimeFigureOut">
               <a:rPr kumimoji="1" lang="ja-JP" altLang="en-US" smtClean="0"/>
-              <a:t>2020/9/27</a:t>
+              <a:t>2020/9/30</a:t>
             </a:fld>
             <a:endParaRPr kumimoji="1" lang="ja-JP" altLang="en-US"/>
           </a:p>
@@ -1783,7 +1784,7 @@
           <a:p>
             <a:fld id="{8C781539-3323-457F-9595-422217E16D75}" type="datetimeFigureOut">
               <a:rPr kumimoji="1" lang="ja-JP" altLang="en-US" smtClean="0"/>
-              <a:t>2020/9/27</a:t>
+              <a:t>2020/9/30</a:t>
             </a:fld>
             <a:endParaRPr kumimoji="1" lang="ja-JP" altLang="en-US"/>
           </a:p>
@@ -2259,7 +2260,7 @@
           <a:p>
             <a:fld id="{8C781539-3323-457F-9595-422217E16D75}" type="datetimeFigureOut">
               <a:rPr kumimoji="1" lang="ja-JP" altLang="en-US" smtClean="0"/>
-              <a:t>2020/9/27</a:t>
+              <a:t>2020/9/30</a:t>
             </a:fld>
             <a:endParaRPr kumimoji="1" lang="ja-JP" altLang="en-US"/>
           </a:p>
@@ -2400,7 +2401,7 @@
           <a:p>
             <a:fld id="{8C781539-3323-457F-9595-422217E16D75}" type="datetimeFigureOut">
               <a:rPr kumimoji="1" lang="ja-JP" altLang="en-US" smtClean="0"/>
-              <a:t>2020/9/27</a:t>
+              <a:t>2020/9/30</a:t>
             </a:fld>
             <a:endParaRPr kumimoji="1" lang="ja-JP" altLang="en-US"/>
           </a:p>
@@ -2513,7 +2514,7 @@
           <a:p>
             <a:fld id="{8C781539-3323-457F-9595-422217E16D75}" type="datetimeFigureOut">
               <a:rPr kumimoji="1" lang="ja-JP" altLang="en-US" smtClean="0"/>
-              <a:t>2020/9/27</a:t>
+              <a:t>2020/9/30</a:t>
             </a:fld>
             <a:endParaRPr kumimoji="1" lang="ja-JP" altLang="en-US"/>
           </a:p>
@@ -2856,7 +2857,7 @@
           <a:p>
             <a:fld id="{8C781539-3323-457F-9595-422217E16D75}" type="datetimeFigureOut">
               <a:rPr kumimoji="1" lang="ja-JP" altLang="en-US" smtClean="0"/>
-              <a:t>2020/9/27</a:t>
+              <a:t>2020/9/30</a:t>
             </a:fld>
             <a:endParaRPr kumimoji="1" lang="ja-JP" altLang="en-US"/>
           </a:p>
@@ -3144,7 +3145,7 @@
           <a:p>
             <a:fld id="{8C781539-3323-457F-9595-422217E16D75}" type="datetimeFigureOut">
               <a:rPr kumimoji="1" lang="ja-JP" altLang="en-US" smtClean="0"/>
-              <a:t>2020/9/27</a:t>
+              <a:t>2020/9/30</a:t>
             </a:fld>
             <a:endParaRPr kumimoji="1" lang="ja-JP" altLang="en-US"/>
           </a:p>
@@ -3417,7 +3418,7 @@
           <a:p>
             <a:fld id="{8C781539-3323-457F-9595-422217E16D75}" type="datetimeFigureOut">
               <a:rPr kumimoji="1" lang="ja-JP" altLang="en-US" smtClean="0"/>
-              <a:t>2020/9/27</a:t>
+              <a:t>2020/9/30</a:t>
             </a:fld>
             <a:endParaRPr kumimoji="1" lang="ja-JP" altLang="en-US"/>
           </a:p>
@@ -8707,8 +8708,8 @@
         </p:nvSpPr>
         <p:spPr>
           <a:xfrm>
-            <a:off x="6096000" y="2032592"/>
-            <a:ext cx="5093368" cy="1477328"/>
+            <a:off x="5592304" y="1951023"/>
+            <a:ext cx="6535119" cy="2031325"/>
           </a:xfrm>
           <a:prstGeom prst="rect">
             <a:avLst/>
@@ -8722,6 +8723,13 @@
           <a:lstStyle/>
           <a:p>
             <a:r>
+              <a:rPr lang="ja-JP" altLang="en-US" dirty="0"/>
+              <a:t>座標</a:t>
+            </a:r>
+            <a:endParaRPr kumimoji="1" lang="en-US" altLang="ja-JP" dirty="0"/>
+          </a:p>
+          <a:p>
+            <a:r>
               <a:rPr kumimoji="1" lang="ja-JP" altLang="en-US" dirty="0"/>
               <a:t>ステージ、メインカメラ、</a:t>
             </a:r>
@@ -8731,20 +8739,47 @@
             </a:r>
             <a:r>
               <a:rPr kumimoji="1" lang="ja-JP" altLang="en-US" dirty="0"/>
-              <a:t>カメラ、その他個々のオブジェクトにすべて座標があるのでそれを合わせるのが大変</a:t>
+              <a:t>カメラ、その他個々のオブジェクトにすべて座標がある</a:t>
             </a:r>
             <a:endParaRPr kumimoji="1" lang="en-US" altLang="ja-JP" dirty="0"/>
           </a:p>
           <a:p>
             <a:r>
               <a:rPr lang="ja-JP" altLang="en-US" dirty="0"/>
-              <a:t>それを現実の実際の距離とスケース感と合わせる必要用もある</a:t>
+              <a:t>ワールド座標の原点にメインカメラの初期位置がある→実世界の人の頭の位置が</a:t>
             </a:r>
             <a:r>
               <a:rPr lang="en-US" altLang="ja-JP" dirty="0"/>
-              <a:t>…</a:t>
-            </a:r>
-            <a:endParaRPr kumimoji="1" lang="ja-JP" altLang="en-US" dirty="0"/>
+              <a:t>Unity</a:t>
+            </a:r>
+            <a:r>
+              <a:rPr lang="ja-JP" altLang="en-US" dirty="0"/>
+              <a:t>上の原点になる</a:t>
+            </a:r>
+            <a:endParaRPr lang="en-US" altLang="ja-JP" dirty="0"/>
+          </a:p>
+          <a:p>
+            <a:r>
+              <a:rPr kumimoji="1" lang="ja-JP" altLang="en-US" dirty="0"/>
+              <a:t>おそらく</a:t>
+            </a:r>
+            <a:r>
+              <a:rPr kumimoji="1" lang="en-US" altLang="ja-JP" dirty="0"/>
+              <a:t>unity</a:t>
+            </a:r>
+            <a:r>
+              <a:rPr kumimoji="1" lang="ja-JP" altLang="en-US" dirty="0"/>
+              <a:t>上のワールド座標</a:t>
+            </a:r>
+            <a:r>
+              <a:rPr kumimoji="1" lang="en-US" altLang="ja-JP" dirty="0"/>
+              <a:t>1</a:t>
+            </a:r>
+            <a:r>
+              <a:rPr kumimoji="1" lang="ja-JP" altLang="en-US" dirty="0"/>
+              <a:t>メモリ分が実世界の一メートルに相当するようなスケール感のはず</a:t>
+            </a:r>
+            <a:endParaRPr kumimoji="1" lang="en-US" altLang="ja-JP" dirty="0"/>
           </a:p>
         </p:txBody>
       </p:sp>
@@ -8829,7 +8864,7 @@
         <p:spPr>
           <a:xfrm>
             <a:off x="6294474" y="2537567"/>
-            <a:ext cx="4561367" cy="923330"/>
+            <a:ext cx="4561367" cy="1477328"/>
           </a:xfrm>
           <a:prstGeom prst="rect">
             <a:avLst/>
@@ -8850,6 +8885,22 @@
               <a:rPr kumimoji="1" lang="ja-JP" altLang="en-US" dirty="0"/>
               <a:t>カメラの位置をどこにするかは任意に変えられるのでどこがいいのかはやりながら調整する</a:t>
             </a:r>
+            <a:endParaRPr kumimoji="1" lang="en-US" altLang="ja-JP" dirty="0"/>
+          </a:p>
+          <a:p>
+            <a:r>
+              <a:rPr lang="ja-JP" altLang="en-US" dirty="0"/>
+              <a:t>今の所、動かしてた感じ</a:t>
+            </a:r>
+            <a:r>
+              <a:rPr lang="en-US" altLang="ja-JP" dirty="0"/>
+              <a:t>AR</a:t>
+            </a:r>
+            <a:r>
+              <a:rPr lang="ja-JP" altLang="en-US" dirty="0"/>
+              <a:t>カメラとメインカメラは同じ位置にした方が都合よさそう</a:t>
+            </a:r>
+            <a:endParaRPr kumimoji="1" lang="ja-JP" altLang="en-US" dirty="0"/>
           </a:p>
         </p:txBody>
       </p:sp>
@@ -8857,6 +8908,71 @@
     <p:extLst>
       <p:ext uri="{BB962C8B-B14F-4D97-AF65-F5344CB8AC3E}">
         <p14:creationId xmlns:p14="http://schemas.microsoft.com/office/powerpoint/2010/main" val="3793175408"/>
+      </p:ext>
+    </p:extLst>
+  </p:cSld>
+  <p:clrMapOvr>
+    <a:masterClrMapping/>
+  </p:clrMapOvr>
+</p:sld>
+</file>
+
+<file path=ppt/slides/slide27.xml><?xml version="1.0" encoding="utf-8"?>
+<p:sld xmlns:a="http://schemas.openxmlformats.org/drawingml/2006/main" xmlns:r="http://schemas.openxmlformats.org/officeDocument/2006/relationships" xmlns:p="http://schemas.openxmlformats.org/presentationml/2006/main">
+  <p:cSld>
+    <p:spTree>
+      <p:nvGrpSpPr>
+        <p:cNvPr id="1" name=""/>
+        <p:cNvGrpSpPr/>
+        <p:nvPr/>
+      </p:nvGrpSpPr>
+      <p:grpSpPr>
+        <a:xfrm>
+          <a:off x="0" y="0"/>
+          <a:ext cx="0" cy="0"/>
+          <a:chOff x="0" y="0"/>
+          <a:chExt cx="0" cy="0"/>
+        </a:xfrm>
+      </p:grpSpPr>
+      <p:sp>
+        <p:nvSpPr>
+          <p:cNvPr id="4" name="テキスト ボックス 3">
+            <a:extLst>
+              <a:ext uri="{FF2B5EF4-FFF2-40B4-BE49-F238E27FC236}">
+                <a16:creationId xmlns:a16="http://schemas.microsoft.com/office/drawing/2014/main" id="{418C5041-3752-4041-AE8D-B7BDCA13B809}"/>
+              </a:ext>
+            </a:extLst>
+          </p:cNvPr>
+          <p:cNvSpPr txBox="1"/>
+          <p:nvPr/>
+        </p:nvSpPr>
+        <p:spPr>
+          <a:xfrm>
+            <a:off x="139485" y="158573"/>
+            <a:ext cx="1131376" cy="584775"/>
+          </a:xfrm>
+          <a:prstGeom prst="rect">
+            <a:avLst/>
+          </a:prstGeom>
+          <a:noFill/>
+        </p:spPr>
+        <p:txBody>
+          <a:bodyPr wrap="square" rtlCol="0">
+            <a:spAutoFit/>
+          </a:bodyPr>
+          <a:lstStyle/>
+          <a:p>
+            <a:r>
+              <a:rPr kumimoji="1" lang="ja-JP" altLang="en-US" sz="3200" dirty="0"/>
+              <a:t>妄想</a:t>
+            </a:r>
+          </a:p>
+        </p:txBody>
+      </p:sp>
+    </p:spTree>
+    <p:extLst>
+      <p:ext uri="{BB962C8B-B14F-4D97-AF65-F5344CB8AC3E}">
+        <p14:creationId xmlns:p14="http://schemas.microsoft.com/office/powerpoint/2010/main" val="2127975165"/>
       </p:ext>
     </p:extLst>
   </p:cSld>

--- a/Others/研究経過1.pptx
+++ b/Others/研究経過1.pptx
@@ -5,7 +5,7 @@
     <p:sldMasterId id="2147483648" r:id="rId1"/>
   </p:sldMasterIdLst>
   <p:handoutMasterIdLst>
-    <p:handoutMasterId r:id="rId29"/>
+    <p:handoutMasterId r:id="rId28"/>
   </p:handoutMasterIdLst>
   <p:sldIdLst>
     <p:sldId id="256" r:id="rId2"/>
@@ -34,7 +34,6 @@
     <p:sldId id="280" r:id="rId25"/>
     <p:sldId id="279" r:id="rId26"/>
     <p:sldId id="281" r:id="rId27"/>
-    <p:sldId id="282" r:id="rId28"/>
   </p:sldIdLst>
   <p:sldSz cx="12192000" cy="6858000"/>
   <p:notesSz cx="6858000" cy="9144000"/>
@@ -238,7 +237,7 @@
           <a:p>
             <a:fld id="{93C75613-606A-447C-B3C5-9A6231D1070D}" type="datetimeFigureOut">
               <a:rPr kumimoji="1" lang="ja-JP" altLang="en-US" smtClean="0"/>
-              <a:t>2020/9/30</a:t>
+              <a:t>2020/10/1</a:t>
             </a:fld>
             <a:endParaRPr kumimoji="1" lang="ja-JP" altLang="en-US"/>
           </a:p>
@@ -480,7 +479,7 @@
           <a:p>
             <a:fld id="{8C781539-3323-457F-9595-422217E16D75}" type="datetimeFigureOut">
               <a:rPr kumimoji="1" lang="ja-JP" altLang="en-US" smtClean="0"/>
-              <a:t>2020/9/30</a:t>
+              <a:t>2020/10/1</a:t>
             </a:fld>
             <a:endParaRPr kumimoji="1" lang="ja-JP" altLang="en-US"/>
           </a:p>
@@ -710,7 +709,7 @@
           <a:p>
             <a:fld id="{8C781539-3323-457F-9595-422217E16D75}" type="datetimeFigureOut">
               <a:rPr kumimoji="1" lang="ja-JP" altLang="en-US" smtClean="0"/>
-              <a:t>2020/9/30</a:t>
+              <a:t>2020/10/1</a:t>
             </a:fld>
             <a:endParaRPr kumimoji="1" lang="ja-JP" altLang="en-US"/>
           </a:p>
@@ -950,7 +949,7 @@
           <a:p>
             <a:fld id="{8C781539-3323-457F-9595-422217E16D75}" type="datetimeFigureOut">
               <a:rPr kumimoji="1" lang="ja-JP" altLang="en-US" smtClean="0"/>
-              <a:t>2020/9/30</a:t>
+              <a:t>2020/10/1</a:t>
             </a:fld>
             <a:endParaRPr kumimoji="1" lang="ja-JP" altLang="en-US"/>
           </a:p>
@@ -1180,7 +1179,7 @@
           <a:p>
             <a:fld id="{8C781539-3323-457F-9595-422217E16D75}" type="datetimeFigureOut">
               <a:rPr kumimoji="1" lang="ja-JP" altLang="en-US" smtClean="0"/>
-              <a:t>2020/9/30</a:t>
+              <a:t>2020/10/1</a:t>
             </a:fld>
             <a:endParaRPr kumimoji="1" lang="ja-JP" altLang="en-US"/>
           </a:p>
@@ -1455,7 +1454,7 @@
           <a:p>
             <a:fld id="{8C781539-3323-457F-9595-422217E16D75}" type="datetimeFigureOut">
               <a:rPr kumimoji="1" lang="ja-JP" altLang="en-US" smtClean="0"/>
-              <a:t>2020/9/30</a:t>
+              <a:t>2020/10/1</a:t>
             </a:fld>
             <a:endParaRPr kumimoji="1" lang="ja-JP" altLang="en-US"/>
           </a:p>
@@ -1784,7 +1783,7 @@
           <a:p>
             <a:fld id="{8C781539-3323-457F-9595-422217E16D75}" type="datetimeFigureOut">
               <a:rPr kumimoji="1" lang="ja-JP" altLang="en-US" smtClean="0"/>
-              <a:t>2020/9/30</a:t>
+              <a:t>2020/10/1</a:t>
             </a:fld>
             <a:endParaRPr kumimoji="1" lang="ja-JP" altLang="en-US"/>
           </a:p>
@@ -2260,7 +2259,7 @@
           <a:p>
             <a:fld id="{8C781539-3323-457F-9595-422217E16D75}" type="datetimeFigureOut">
               <a:rPr kumimoji="1" lang="ja-JP" altLang="en-US" smtClean="0"/>
-              <a:t>2020/9/30</a:t>
+              <a:t>2020/10/1</a:t>
             </a:fld>
             <a:endParaRPr kumimoji="1" lang="ja-JP" altLang="en-US"/>
           </a:p>
@@ -2401,7 +2400,7 @@
           <a:p>
             <a:fld id="{8C781539-3323-457F-9595-422217E16D75}" type="datetimeFigureOut">
               <a:rPr kumimoji="1" lang="ja-JP" altLang="en-US" smtClean="0"/>
-              <a:t>2020/9/30</a:t>
+              <a:t>2020/10/1</a:t>
             </a:fld>
             <a:endParaRPr kumimoji="1" lang="ja-JP" altLang="en-US"/>
           </a:p>
@@ -2514,7 +2513,7 @@
           <a:p>
             <a:fld id="{8C781539-3323-457F-9595-422217E16D75}" type="datetimeFigureOut">
               <a:rPr kumimoji="1" lang="ja-JP" altLang="en-US" smtClean="0"/>
-              <a:t>2020/9/30</a:t>
+              <a:t>2020/10/1</a:t>
             </a:fld>
             <a:endParaRPr kumimoji="1" lang="ja-JP" altLang="en-US"/>
           </a:p>
@@ -2857,7 +2856,7 @@
           <a:p>
             <a:fld id="{8C781539-3323-457F-9595-422217E16D75}" type="datetimeFigureOut">
               <a:rPr kumimoji="1" lang="ja-JP" altLang="en-US" smtClean="0"/>
-              <a:t>2020/9/30</a:t>
+              <a:t>2020/10/1</a:t>
             </a:fld>
             <a:endParaRPr kumimoji="1" lang="ja-JP" altLang="en-US"/>
           </a:p>
@@ -3145,7 +3144,7 @@
           <a:p>
             <a:fld id="{8C781539-3323-457F-9595-422217E16D75}" type="datetimeFigureOut">
               <a:rPr kumimoji="1" lang="ja-JP" altLang="en-US" smtClean="0"/>
-              <a:t>2020/9/30</a:t>
+              <a:t>2020/10/1</a:t>
             </a:fld>
             <a:endParaRPr kumimoji="1" lang="ja-JP" altLang="en-US"/>
           </a:p>
@@ -3418,7 +3417,7 @@
           <a:p>
             <a:fld id="{8C781539-3323-457F-9595-422217E16D75}" type="datetimeFigureOut">
               <a:rPr kumimoji="1" lang="ja-JP" altLang="en-US" smtClean="0"/>
-              <a:t>2020/9/30</a:t>
+              <a:t>2020/10/1</a:t>
             </a:fld>
             <a:endParaRPr kumimoji="1" lang="ja-JP" altLang="en-US"/>
           </a:p>
@@ -8908,71 +8907,6 @@
     <p:extLst>
       <p:ext uri="{BB962C8B-B14F-4D97-AF65-F5344CB8AC3E}">
         <p14:creationId xmlns:p14="http://schemas.microsoft.com/office/powerpoint/2010/main" val="3793175408"/>
-      </p:ext>
-    </p:extLst>
-  </p:cSld>
-  <p:clrMapOvr>
-    <a:masterClrMapping/>
-  </p:clrMapOvr>
-</p:sld>
-</file>
-
-<file path=ppt/slides/slide27.xml><?xml version="1.0" encoding="utf-8"?>
-<p:sld xmlns:a="http://schemas.openxmlformats.org/drawingml/2006/main" xmlns:r="http://schemas.openxmlformats.org/officeDocument/2006/relationships" xmlns:p="http://schemas.openxmlformats.org/presentationml/2006/main">
-  <p:cSld>
-    <p:spTree>
-      <p:nvGrpSpPr>
-        <p:cNvPr id="1" name=""/>
-        <p:cNvGrpSpPr/>
-        <p:nvPr/>
-      </p:nvGrpSpPr>
-      <p:grpSpPr>
-        <a:xfrm>
-          <a:off x="0" y="0"/>
-          <a:ext cx="0" cy="0"/>
-          <a:chOff x="0" y="0"/>
-          <a:chExt cx="0" cy="0"/>
-        </a:xfrm>
-      </p:grpSpPr>
-      <p:sp>
-        <p:nvSpPr>
-          <p:cNvPr id="4" name="テキスト ボックス 3">
-            <a:extLst>
-              <a:ext uri="{FF2B5EF4-FFF2-40B4-BE49-F238E27FC236}">
-                <a16:creationId xmlns:a16="http://schemas.microsoft.com/office/drawing/2014/main" id="{418C5041-3752-4041-AE8D-B7BDCA13B809}"/>
-              </a:ext>
-            </a:extLst>
-          </p:cNvPr>
-          <p:cNvSpPr txBox="1"/>
-          <p:nvPr/>
-        </p:nvSpPr>
-        <p:spPr>
-          <a:xfrm>
-            <a:off x="139485" y="158573"/>
-            <a:ext cx="1131376" cy="584775"/>
-          </a:xfrm>
-          <a:prstGeom prst="rect">
-            <a:avLst/>
-          </a:prstGeom>
-          <a:noFill/>
-        </p:spPr>
-        <p:txBody>
-          <a:bodyPr wrap="square" rtlCol="0">
-            <a:spAutoFit/>
-          </a:bodyPr>
-          <a:lstStyle/>
-          <a:p>
-            <a:r>
-              <a:rPr kumimoji="1" lang="ja-JP" altLang="en-US" sz="3200" dirty="0"/>
-              <a:t>妄想</a:t>
-            </a:r>
-          </a:p>
-        </p:txBody>
-      </p:sp>
-    </p:spTree>
-    <p:extLst>
-      <p:ext uri="{BB962C8B-B14F-4D97-AF65-F5344CB8AC3E}">
-        <p14:creationId xmlns:p14="http://schemas.microsoft.com/office/powerpoint/2010/main" val="2127975165"/>
       </p:ext>
     </p:extLst>
   </p:cSld>

--- a/Others/研究経過1.pptx
+++ b/Others/研究経過1.pptx
@@ -7883,7 +7883,15 @@
             </a:r>
             <a:r>
               <a:rPr lang="ja-JP" altLang="en-US" dirty="0"/>
-              <a:t>上にあるヴァーチャルなカメラ→</a:t>
+              <a:t>上にあるヴァーチャルなカメラ。</a:t>
+            </a:r>
+            <a:r>
+              <a:rPr lang="en-US" altLang="ja-JP" dirty="0"/>
+              <a:t>AR</a:t>
+            </a:r>
+            <a:r>
+              <a:rPr lang="ja-JP" altLang="en-US" dirty="0"/>
+              <a:t>マーカーが→</a:t>
             </a:r>
             <a:r>
               <a:rPr lang="en-US" altLang="ja-JP" dirty="0"/>
@@ -8086,7 +8094,7 @@
         <p:spPr>
           <a:xfrm>
             <a:off x="5518298" y="1322542"/>
-            <a:ext cx="6453962" cy="2585323"/>
+            <a:ext cx="6453962" cy="2862322"/>
           </a:xfrm>
           <a:prstGeom prst="rect">
             <a:avLst/>
@@ -8176,7 +8184,23 @@
           <a:p>
             <a:r>
               <a:rPr lang="ja-JP" altLang="en-US" dirty="0"/>
-              <a:t>・自分の身体は他のオブジェクトが重ならないようにする。本の文章の部分は最悪手が見えなくなっても仕方無い気もするが、それ以外ではしっかりと見えるようにする。</a:t>
+              <a:t>・自分の身体は他のオブジェクトが重ならないようにする</a:t>
+            </a:r>
+            <a:r>
+              <a:rPr lang="en-US" altLang="ja-JP" dirty="0"/>
+              <a:t>(</a:t>
+            </a:r>
+            <a:r>
+              <a:rPr lang="ja-JP" altLang="en-US" dirty="0"/>
+              <a:t>オクルージョン</a:t>
+            </a:r>
+            <a:r>
+              <a:rPr lang="en-US" altLang="ja-JP" dirty="0"/>
+              <a:t>)</a:t>
+            </a:r>
+            <a:r>
+              <a:rPr lang="ja-JP" altLang="en-US" dirty="0"/>
+              <a:t>。本の文章の部分は最悪手が見えなくなっても仕方無い気もするが、それ以外ではしっかりと見えるようにする。</a:t>
             </a:r>
             <a:endParaRPr lang="en-US" altLang="ja-JP" dirty="0"/>
           </a:p>
